--- a/[20150608][Edu]Android_Thread/20150608.pptx
+++ b/[20150608][Edu]Android_Thread/20150608.pptx
@@ -15118,6 +15118,9 @@
           <a:p>
             <a:r>
               <a:rPr lang="en-US" altLang="ko-KR" sz="2000" smtClean="0">
+                <a:solidFill>
+                  <a:srgbClr val="FF0000"/>
+                </a:solidFill>
                 <a:latin typeface="나눔고딕코딩" panose="020D0009000000000000" pitchFamily="49" charset="-127"/>
                 <a:ea typeface="나눔고딕코딩" panose="020D0009000000000000" pitchFamily="49" charset="-127"/>
               </a:rPr>
@@ -15250,7 +15253,24 @@
                 <a:latin typeface="나눔고딕코딩" panose="020D0009000000000000" pitchFamily="49" charset="-127"/>
                 <a:ea typeface="나눔고딕코딩" panose="020D0009000000000000" pitchFamily="49" charset="-127"/>
               </a:rPr>
-              <a:t>    pthread_create(&amp;tid, 0, thread_func, "Worker Thread");  // 3 + K</a:t>
+              <a:t>    </a:t>
+            </a:r>
+            <a:r>
+              <a:rPr lang="en-US" altLang="ko-KR" sz="2000" smtClean="0">
+                <a:solidFill>
+                  <a:srgbClr val="FF0000"/>
+                </a:solidFill>
+                <a:latin typeface="나눔고딕코딩" panose="020D0009000000000000" pitchFamily="49" charset="-127"/>
+                <a:ea typeface="나눔고딕코딩" panose="020D0009000000000000" pitchFamily="49" charset="-127"/>
+              </a:rPr>
+              <a:t>pthread_create</a:t>
+            </a:r>
+            <a:r>
+              <a:rPr lang="en-US" altLang="ko-KR" sz="2000" smtClean="0">
+                <a:latin typeface="나눔고딕코딩" panose="020D0009000000000000" pitchFamily="49" charset="-127"/>
+                <a:ea typeface="나눔고딕코딩" panose="020D0009000000000000" pitchFamily="49" charset="-127"/>
+              </a:rPr>
+              <a:t>(&amp;tid, 0, thread_func, "Worker Thread");  // 3 + K</a:t>
             </a:r>
           </a:p>
           <a:p>
